--- a/第13組.pptx
+++ b/第13組.pptx
@@ -10,10 +10,16 @@
     <p:sldId id="260" r:id="rId4"/>
     <p:sldId id="261" r:id="rId5"/>
     <p:sldId id="262" r:id="rId6"/>
-    <p:sldId id="263" r:id="rId7"/>
-    <p:sldId id="265" r:id="rId8"/>
-    <p:sldId id="258" r:id="rId9"/>
-    <p:sldId id="259" r:id="rId10"/>
+    <p:sldId id="267" r:id="rId7"/>
+    <p:sldId id="263" r:id="rId8"/>
+    <p:sldId id="265" r:id="rId9"/>
+    <p:sldId id="266" r:id="rId10"/>
+    <p:sldId id="275" r:id="rId11"/>
+    <p:sldId id="271" r:id="rId12"/>
+    <p:sldId id="272" r:id="rId13"/>
+    <p:sldId id="273" r:id="rId14"/>
+    <p:sldId id="274" r:id="rId15"/>
+    <p:sldId id="259" r:id="rId16"/>
   </p:sldIdLst>
   <p:sldSz cx="12192000" cy="6858000"/>
   <p:notesSz cx="6858000" cy="9144000"/>
@@ -112,6 +118,11 @@
       </a:defRPr>
     </a:lvl9pPr>
   </p:defaultTextStyle>
+  <p:extLst>
+    <p:ext uri="{EFAFB233-063F-42B5-8137-9DF3F51BA10A}">
+      <p15:sldGuideLst xmlns:p15="http://schemas.microsoft.com/office/powerpoint/2012/main"/>
+    </p:ext>
+  </p:extLst>
 </p:presentation>
 </file>
 
@@ -303,7 +314,7 @@
           <a:p>
             <a:fld id="{A2CCE75F-6525-41A6-B1DF-CF9A6702C022}" type="datetimeFigureOut">
               <a:rPr lang="zh-TW" altLang="en-US" smtClean="0"/>
-              <a:t>2021/12/26</a:t>
+              <a:t>2022/1/8</a:t>
             </a:fld>
             <a:endParaRPr lang="zh-TW" altLang="en-US"/>
           </a:p>
@@ -641,7 +652,7 @@
           <a:p>
             <a:fld id="{A2CCE75F-6525-41A6-B1DF-CF9A6702C022}" type="datetimeFigureOut">
               <a:rPr lang="zh-TW" altLang="en-US" smtClean="0"/>
-              <a:t>2021/12/26</a:t>
+              <a:t>2022/1/8</a:t>
             </a:fld>
             <a:endParaRPr lang="zh-TW" altLang="en-US"/>
           </a:p>
@@ -1042,7 +1053,7 @@
           <a:p>
             <a:fld id="{A2CCE75F-6525-41A6-B1DF-CF9A6702C022}" type="datetimeFigureOut">
               <a:rPr lang="zh-TW" altLang="en-US" smtClean="0"/>
-              <a:t>2021/12/26</a:t>
+              <a:t>2022/1/8</a:t>
             </a:fld>
             <a:endParaRPr lang="zh-TW" altLang="en-US"/>
           </a:p>
@@ -1378,7 +1389,7 @@
           <a:p>
             <a:fld id="{A2CCE75F-6525-41A6-B1DF-CF9A6702C022}" type="datetimeFigureOut">
               <a:rPr lang="zh-TW" altLang="en-US" smtClean="0"/>
-              <a:t>2021/12/26</a:t>
+              <a:t>2022/1/8</a:t>
             </a:fld>
             <a:endParaRPr lang="zh-TW" altLang="en-US"/>
           </a:p>
@@ -1698,7 +1709,7 @@
           <a:p>
             <a:fld id="{A2CCE75F-6525-41A6-B1DF-CF9A6702C022}" type="datetimeFigureOut">
               <a:rPr lang="zh-TW" altLang="en-US" smtClean="0"/>
-              <a:t>2021/12/26</a:t>
+              <a:t>2022/1/8</a:t>
             </a:fld>
             <a:endParaRPr lang="zh-TW" altLang="en-US"/>
           </a:p>
@@ -2094,7 +2105,7 @@
           <a:p>
             <a:fld id="{A2CCE75F-6525-41A6-B1DF-CF9A6702C022}" type="datetimeFigureOut">
               <a:rPr lang="zh-TW" altLang="en-US" smtClean="0"/>
-              <a:t>2021/12/26</a:t>
+              <a:t>2022/1/8</a:t>
             </a:fld>
             <a:endParaRPr lang="zh-TW" altLang="en-US"/>
           </a:p>
@@ -2351,7 +2362,7 @@
           <a:p>
             <a:fld id="{A2CCE75F-6525-41A6-B1DF-CF9A6702C022}" type="datetimeFigureOut">
               <a:rPr lang="zh-TW" altLang="en-US" smtClean="0"/>
-              <a:t>2021/12/26</a:t>
+              <a:t>2022/1/8</a:t>
             </a:fld>
             <a:endParaRPr lang="zh-TW" altLang="en-US"/>
           </a:p>
@@ -2613,7 +2624,7 @@
           <a:p>
             <a:fld id="{A2CCE75F-6525-41A6-B1DF-CF9A6702C022}" type="datetimeFigureOut">
               <a:rPr lang="zh-TW" altLang="en-US" smtClean="0"/>
-              <a:t>2021/12/26</a:t>
+              <a:t>2022/1/8</a:t>
             </a:fld>
             <a:endParaRPr lang="zh-TW" altLang="en-US"/>
           </a:p>
@@ -2875,7 +2886,7 @@
           <a:p>
             <a:fld id="{A2CCE75F-6525-41A6-B1DF-CF9A6702C022}" type="datetimeFigureOut">
               <a:rPr lang="zh-TW" altLang="en-US" smtClean="0"/>
-              <a:t>2021/12/26</a:t>
+              <a:t>2022/1/8</a:t>
             </a:fld>
             <a:endParaRPr lang="zh-TW" altLang="en-US"/>
           </a:p>
@@ -3204,7 +3215,7 @@
           <a:p>
             <a:fld id="{A2CCE75F-6525-41A6-B1DF-CF9A6702C022}" type="datetimeFigureOut">
               <a:rPr lang="zh-TW" altLang="en-US" smtClean="0"/>
-              <a:t>2021/12/26</a:t>
+              <a:t>2022/1/8</a:t>
             </a:fld>
             <a:endParaRPr lang="zh-TW" altLang="en-US"/>
           </a:p>
@@ -3527,7 +3538,7 @@
           <a:p>
             <a:fld id="{A2CCE75F-6525-41A6-B1DF-CF9A6702C022}" type="datetimeFigureOut">
               <a:rPr lang="zh-TW" altLang="en-US" smtClean="0"/>
-              <a:t>2021/12/26</a:t>
+              <a:t>2022/1/8</a:t>
             </a:fld>
             <a:endParaRPr lang="zh-TW" altLang="en-US"/>
           </a:p>
@@ -3984,7 +3995,7 @@
           <a:p>
             <a:fld id="{A2CCE75F-6525-41A6-B1DF-CF9A6702C022}" type="datetimeFigureOut">
               <a:rPr lang="zh-TW" altLang="en-US" smtClean="0"/>
-              <a:t>2021/12/26</a:t>
+              <a:t>2022/1/8</a:t>
             </a:fld>
             <a:endParaRPr lang="zh-TW" altLang="en-US"/>
           </a:p>
@@ -4189,7 +4200,7 @@
           <a:p>
             <a:fld id="{A2CCE75F-6525-41A6-B1DF-CF9A6702C022}" type="datetimeFigureOut">
               <a:rPr lang="zh-TW" altLang="en-US" smtClean="0"/>
-              <a:t>2021/12/26</a:t>
+              <a:t>2022/1/8</a:t>
             </a:fld>
             <a:endParaRPr lang="zh-TW" altLang="en-US"/>
           </a:p>
@@ -4366,7 +4377,7 @@
           <a:p>
             <a:fld id="{A2CCE75F-6525-41A6-B1DF-CF9A6702C022}" type="datetimeFigureOut">
               <a:rPr lang="zh-TW" altLang="en-US" smtClean="0"/>
-              <a:t>2021/12/26</a:t>
+              <a:t>2022/1/8</a:t>
             </a:fld>
             <a:endParaRPr lang="zh-TW" altLang="en-US"/>
           </a:p>
@@ -4699,7 +4710,7 @@
           <a:p>
             <a:fld id="{A2CCE75F-6525-41A6-B1DF-CF9A6702C022}" type="datetimeFigureOut">
               <a:rPr lang="zh-TW" altLang="en-US" smtClean="0"/>
-              <a:t>2021/12/26</a:t>
+              <a:t>2022/1/8</a:t>
             </a:fld>
             <a:endParaRPr lang="zh-TW" altLang="en-US"/>
           </a:p>
@@ -5044,7 +5055,7 @@
           <a:p>
             <a:fld id="{A2CCE75F-6525-41A6-B1DF-CF9A6702C022}" type="datetimeFigureOut">
               <a:rPr lang="zh-TW" altLang="en-US" smtClean="0"/>
-              <a:t>2021/12/26</a:t>
+              <a:t>2022/1/8</a:t>
             </a:fld>
             <a:endParaRPr lang="zh-TW" altLang="en-US"/>
           </a:p>
@@ -7161,7 +7172,7 @@
           <a:p>
             <a:fld id="{A2CCE75F-6525-41A6-B1DF-CF9A6702C022}" type="datetimeFigureOut">
               <a:rPr lang="zh-TW" altLang="en-US" smtClean="0"/>
-              <a:t>2021/12/26</a:t>
+              <a:t>2022/1/8</a:t>
             </a:fld>
             <a:endParaRPr lang="zh-TW" altLang="en-US"/>
           </a:p>
@@ -7802,6 +7813,489 @@
 </p:sld>
 </file>
 
+<file path=ppt/slides/slide10.xml><?xml version="1.0" encoding="utf-8"?>
+<p:sld xmlns:a="http://schemas.openxmlformats.org/drawingml/2006/main" xmlns:r="http://schemas.openxmlformats.org/officeDocument/2006/relationships" xmlns:p="http://schemas.openxmlformats.org/presentationml/2006/main">
+  <p:cSld>
+    <p:spTree>
+      <p:nvGrpSpPr>
+        <p:cNvPr id="1" name=""/>
+        <p:cNvGrpSpPr/>
+        <p:nvPr/>
+      </p:nvGrpSpPr>
+      <p:grpSpPr>
+        <a:xfrm>
+          <a:off x="0" y="0"/>
+          <a:ext cx="0" cy="0"/>
+          <a:chOff x="0" y="0"/>
+          <a:chExt cx="0" cy="0"/>
+        </a:xfrm>
+      </p:grpSpPr>
+      <p:sp>
+        <p:nvSpPr>
+          <p:cNvPr id="2" name="標題 1"/>
+          <p:cNvSpPr>
+            <a:spLocks noGrp="1"/>
+          </p:cNvSpPr>
+          <p:nvPr>
+            <p:ph type="title"/>
+          </p:nvPr>
+        </p:nvSpPr>
+        <p:spPr/>
+        <p:txBody>
+          <a:bodyPr/>
+          <a:lstStyle/>
+          <a:p>
+            <a:r>
+              <a:rPr lang="zh-TW" altLang="en-US" dirty="0" smtClean="0"/>
+              <a:t>小遊戲</a:t>
+            </a:r>
+            <a:endParaRPr lang="zh-TW" altLang="en-US" dirty="0"/>
+          </a:p>
+        </p:txBody>
+      </p:sp>
+      <p:pic>
+        <p:nvPicPr>
+          <p:cNvPr id="4" name="內容版面配置區 3"/>
+          <p:cNvPicPr>
+            <a:picLocks noGrp="1" noChangeAspect="1"/>
+          </p:cNvPicPr>
+          <p:nvPr>
+            <p:ph idx="1"/>
+          </p:nvPr>
+        </p:nvPicPr>
+        <p:blipFill rotWithShape="1">
+          <a:blip r:embed="rId2" cstate="print">
+            <a:extLst>
+              <a:ext uri="{28A0092B-C50C-407E-A947-70E740481C1C}">
+                <a14:useLocalDpi xmlns:a14="http://schemas.microsoft.com/office/drawing/2010/main" val="0"/>
+              </a:ext>
+            </a:extLst>
+          </a:blip>
+          <a:srcRect l="12368" t="21486" r="48493" b="33601"/>
+          <a:stretch/>
+        </p:blipFill>
+        <p:spPr>
+          <a:xfrm>
+            <a:off x="2592925" y="1500554"/>
+            <a:ext cx="7236875" cy="4671294"/>
+          </a:xfrm>
+        </p:spPr>
+      </p:pic>
+    </p:spTree>
+    <p:extLst>
+      <p:ext uri="{BB962C8B-B14F-4D97-AF65-F5344CB8AC3E}">
+        <p14:creationId xmlns:p14="http://schemas.microsoft.com/office/powerpoint/2010/main" val="3037392987"/>
+      </p:ext>
+    </p:extLst>
+  </p:cSld>
+  <p:clrMapOvr>
+    <a:masterClrMapping/>
+  </p:clrMapOvr>
+</p:sld>
+</file>
+
+<file path=ppt/slides/slide11.xml><?xml version="1.0" encoding="utf-8"?>
+<p:sld xmlns:a="http://schemas.openxmlformats.org/drawingml/2006/main" xmlns:r="http://schemas.openxmlformats.org/officeDocument/2006/relationships" xmlns:p="http://schemas.openxmlformats.org/presentationml/2006/main">
+  <p:cSld>
+    <p:spTree>
+      <p:nvGrpSpPr>
+        <p:cNvPr id="1" name=""/>
+        <p:cNvGrpSpPr/>
+        <p:nvPr/>
+      </p:nvGrpSpPr>
+      <p:grpSpPr>
+        <a:xfrm>
+          <a:off x="0" y="0"/>
+          <a:ext cx="0" cy="0"/>
+          <a:chOff x="0" y="0"/>
+          <a:chExt cx="0" cy="0"/>
+        </a:xfrm>
+      </p:grpSpPr>
+      <p:sp>
+        <p:nvSpPr>
+          <p:cNvPr id="2" name="標題 1"/>
+          <p:cNvSpPr>
+            <a:spLocks noGrp="1"/>
+          </p:cNvSpPr>
+          <p:nvPr>
+            <p:ph type="title"/>
+          </p:nvPr>
+        </p:nvSpPr>
+        <p:spPr/>
+        <p:txBody>
+          <a:bodyPr/>
+          <a:lstStyle/>
+          <a:p>
+            <a:r>
+              <a:rPr lang="zh-TW" altLang="en-US" dirty="0" smtClean="0"/>
+              <a:t>貪食蛇</a:t>
+            </a:r>
+            <a:endParaRPr lang="zh-TW" altLang="en-US" dirty="0"/>
+          </a:p>
+        </p:txBody>
+      </p:sp>
+      <p:sp>
+        <p:nvSpPr>
+          <p:cNvPr id="3" name="內容版面配置區 2"/>
+          <p:cNvSpPr>
+            <a:spLocks noGrp="1"/>
+          </p:cNvSpPr>
+          <p:nvPr>
+            <p:ph idx="1"/>
+          </p:nvPr>
+        </p:nvSpPr>
+        <p:spPr/>
+        <p:txBody>
+          <a:bodyPr/>
+          <a:lstStyle/>
+          <a:p>
+            <a:r>
+              <a:rPr lang="zh-TW" altLang="en-US" dirty="0" smtClean="0"/>
+              <a:t>規則、截圖、影片</a:t>
+            </a:r>
+            <a:endParaRPr lang="zh-TW" altLang="en-US" dirty="0"/>
+          </a:p>
+        </p:txBody>
+      </p:sp>
+    </p:spTree>
+    <p:extLst>
+      <p:ext uri="{BB962C8B-B14F-4D97-AF65-F5344CB8AC3E}">
+        <p14:creationId xmlns:p14="http://schemas.microsoft.com/office/powerpoint/2010/main" val="1540545771"/>
+      </p:ext>
+    </p:extLst>
+  </p:cSld>
+  <p:clrMapOvr>
+    <a:masterClrMapping/>
+  </p:clrMapOvr>
+</p:sld>
+</file>
+
+<file path=ppt/slides/slide12.xml><?xml version="1.0" encoding="utf-8"?>
+<p:sld xmlns:a="http://schemas.openxmlformats.org/drawingml/2006/main" xmlns:r="http://schemas.openxmlformats.org/officeDocument/2006/relationships" xmlns:p="http://schemas.openxmlformats.org/presentationml/2006/main">
+  <p:cSld>
+    <p:spTree>
+      <p:nvGrpSpPr>
+        <p:cNvPr id="1" name=""/>
+        <p:cNvGrpSpPr/>
+        <p:nvPr/>
+      </p:nvGrpSpPr>
+      <p:grpSpPr>
+        <a:xfrm>
+          <a:off x="0" y="0"/>
+          <a:ext cx="0" cy="0"/>
+          <a:chOff x="0" y="0"/>
+          <a:chExt cx="0" cy="0"/>
+        </a:xfrm>
+      </p:grpSpPr>
+      <p:sp>
+        <p:nvSpPr>
+          <p:cNvPr id="2" name="標題 1"/>
+          <p:cNvSpPr>
+            <a:spLocks noGrp="1"/>
+          </p:cNvSpPr>
+          <p:nvPr>
+            <p:ph type="title"/>
+          </p:nvPr>
+        </p:nvSpPr>
+        <p:spPr/>
+        <p:txBody>
+          <a:bodyPr/>
+          <a:lstStyle/>
+          <a:p>
+            <a:r>
+              <a:rPr lang="zh-TW" altLang="en-US" dirty="0" smtClean="0"/>
+              <a:t>接方塊</a:t>
+            </a:r>
+            <a:endParaRPr lang="zh-TW" altLang="en-US" dirty="0"/>
+          </a:p>
+        </p:txBody>
+      </p:sp>
+      <p:sp>
+        <p:nvSpPr>
+          <p:cNvPr id="3" name="內容版面配置區 2"/>
+          <p:cNvSpPr>
+            <a:spLocks noGrp="1"/>
+          </p:cNvSpPr>
+          <p:nvPr>
+            <p:ph idx="1"/>
+          </p:nvPr>
+        </p:nvSpPr>
+        <p:spPr/>
+        <p:txBody>
+          <a:bodyPr/>
+          <a:lstStyle/>
+          <a:p>
+            <a:endParaRPr lang="zh-TW" altLang="en-US"/>
+          </a:p>
+        </p:txBody>
+      </p:sp>
+    </p:spTree>
+    <p:extLst>
+      <p:ext uri="{BB962C8B-B14F-4D97-AF65-F5344CB8AC3E}">
+        <p14:creationId xmlns:p14="http://schemas.microsoft.com/office/powerpoint/2010/main" val="3535265471"/>
+      </p:ext>
+    </p:extLst>
+  </p:cSld>
+  <p:clrMapOvr>
+    <a:masterClrMapping/>
+  </p:clrMapOvr>
+</p:sld>
+</file>
+
+<file path=ppt/slides/slide13.xml><?xml version="1.0" encoding="utf-8"?>
+<p:sld xmlns:a="http://schemas.openxmlformats.org/drawingml/2006/main" xmlns:r="http://schemas.openxmlformats.org/officeDocument/2006/relationships" xmlns:p="http://schemas.openxmlformats.org/presentationml/2006/main">
+  <p:cSld>
+    <p:spTree>
+      <p:nvGrpSpPr>
+        <p:cNvPr id="1" name=""/>
+        <p:cNvGrpSpPr/>
+        <p:nvPr/>
+      </p:nvGrpSpPr>
+      <p:grpSpPr>
+        <a:xfrm>
+          <a:off x="0" y="0"/>
+          <a:ext cx="0" cy="0"/>
+          <a:chOff x="0" y="0"/>
+          <a:chExt cx="0" cy="0"/>
+        </a:xfrm>
+      </p:grpSpPr>
+      <p:sp>
+        <p:nvSpPr>
+          <p:cNvPr id="2" name="標題 1"/>
+          <p:cNvSpPr>
+            <a:spLocks noGrp="1"/>
+          </p:cNvSpPr>
+          <p:nvPr>
+            <p:ph type="title"/>
+          </p:nvPr>
+        </p:nvSpPr>
+        <p:spPr/>
+        <p:txBody>
+          <a:bodyPr/>
+          <a:lstStyle/>
+          <a:p>
+            <a:r>
+              <a:rPr lang="zh-TW" altLang="en-US" dirty="0" smtClean="0"/>
+              <a:t>小鋼琴</a:t>
+            </a:r>
+            <a:endParaRPr lang="zh-TW" altLang="en-US" dirty="0"/>
+          </a:p>
+        </p:txBody>
+      </p:sp>
+      <p:sp>
+        <p:nvSpPr>
+          <p:cNvPr id="3" name="內容版面配置區 2"/>
+          <p:cNvSpPr>
+            <a:spLocks noGrp="1"/>
+          </p:cNvSpPr>
+          <p:nvPr>
+            <p:ph idx="1"/>
+          </p:nvPr>
+        </p:nvSpPr>
+        <p:spPr/>
+        <p:txBody>
+          <a:bodyPr/>
+          <a:lstStyle/>
+          <a:p>
+            <a:endParaRPr lang="zh-TW" altLang="en-US"/>
+          </a:p>
+        </p:txBody>
+      </p:sp>
+    </p:spTree>
+    <p:extLst>
+      <p:ext uri="{BB962C8B-B14F-4D97-AF65-F5344CB8AC3E}">
+        <p14:creationId xmlns:p14="http://schemas.microsoft.com/office/powerpoint/2010/main" val="526567814"/>
+      </p:ext>
+    </p:extLst>
+  </p:cSld>
+  <p:clrMapOvr>
+    <a:masterClrMapping/>
+  </p:clrMapOvr>
+</p:sld>
+</file>
+
+<file path=ppt/slides/slide14.xml><?xml version="1.0" encoding="utf-8"?>
+<p:sld xmlns:a="http://schemas.openxmlformats.org/drawingml/2006/main" xmlns:r="http://schemas.openxmlformats.org/officeDocument/2006/relationships" xmlns:p="http://schemas.openxmlformats.org/presentationml/2006/main">
+  <p:cSld>
+    <p:spTree>
+      <p:nvGrpSpPr>
+        <p:cNvPr id="1" name=""/>
+        <p:cNvGrpSpPr/>
+        <p:nvPr/>
+      </p:nvGrpSpPr>
+      <p:grpSpPr>
+        <a:xfrm>
+          <a:off x="0" y="0"/>
+          <a:ext cx="0" cy="0"/>
+          <a:chOff x="0" y="0"/>
+          <a:chExt cx="0" cy="0"/>
+        </a:xfrm>
+      </p:grpSpPr>
+      <p:sp>
+        <p:nvSpPr>
+          <p:cNvPr id="2" name="標題 1"/>
+          <p:cNvSpPr>
+            <a:spLocks noGrp="1"/>
+          </p:cNvSpPr>
+          <p:nvPr>
+            <p:ph type="title"/>
+          </p:nvPr>
+        </p:nvSpPr>
+        <p:spPr/>
+        <p:txBody>
+          <a:bodyPr/>
+          <a:lstStyle/>
+          <a:p>
+            <a:r>
+              <a:rPr lang="zh-TW" altLang="en-US" dirty="0" smtClean="0"/>
+              <a:t>打磚塊</a:t>
+            </a:r>
+            <a:endParaRPr lang="zh-TW" altLang="en-US" dirty="0"/>
+          </a:p>
+        </p:txBody>
+      </p:sp>
+      <p:sp>
+        <p:nvSpPr>
+          <p:cNvPr id="3" name="內容版面配置區 2"/>
+          <p:cNvSpPr>
+            <a:spLocks noGrp="1"/>
+          </p:cNvSpPr>
+          <p:nvPr>
+            <p:ph idx="1"/>
+          </p:nvPr>
+        </p:nvSpPr>
+        <p:spPr/>
+        <p:txBody>
+          <a:bodyPr/>
+          <a:lstStyle/>
+          <a:p>
+            <a:endParaRPr lang="zh-TW" altLang="en-US"/>
+          </a:p>
+        </p:txBody>
+      </p:sp>
+    </p:spTree>
+    <p:extLst>
+      <p:ext uri="{BB962C8B-B14F-4D97-AF65-F5344CB8AC3E}">
+        <p14:creationId xmlns:p14="http://schemas.microsoft.com/office/powerpoint/2010/main" val="1580450156"/>
+      </p:ext>
+    </p:extLst>
+  </p:cSld>
+  <p:clrMapOvr>
+    <a:masterClrMapping/>
+  </p:clrMapOvr>
+</p:sld>
+</file>
+
+<file path=ppt/slides/slide15.xml><?xml version="1.0" encoding="utf-8"?>
+<p:sld xmlns:a="http://schemas.openxmlformats.org/drawingml/2006/main" xmlns:r="http://schemas.openxmlformats.org/officeDocument/2006/relationships" xmlns:p="http://schemas.openxmlformats.org/presentationml/2006/main">
+  <p:cSld>
+    <p:spTree>
+      <p:nvGrpSpPr>
+        <p:cNvPr id="1" name=""/>
+        <p:cNvGrpSpPr/>
+        <p:nvPr/>
+      </p:nvGrpSpPr>
+      <p:grpSpPr>
+        <a:xfrm>
+          <a:off x="0" y="0"/>
+          <a:ext cx="0" cy="0"/>
+          <a:chOff x="0" y="0"/>
+          <a:chExt cx="0" cy="0"/>
+        </a:xfrm>
+      </p:grpSpPr>
+      <p:sp>
+        <p:nvSpPr>
+          <p:cNvPr id="2" name="標題 1"/>
+          <p:cNvSpPr>
+            <a:spLocks noGrp="1"/>
+          </p:cNvSpPr>
+          <p:nvPr>
+            <p:ph type="title"/>
+          </p:nvPr>
+        </p:nvSpPr>
+        <p:spPr/>
+        <p:txBody>
+          <a:bodyPr/>
+          <a:lstStyle/>
+          <a:p>
+            <a:r>
+              <a:rPr lang="zh-TW" altLang="en-US" dirty="0" smtClean="0"/>
+              <a:t>分工</a:t>
+            </a:r>
+            <a:endParaRPr lang="zh-TW" altLang="en-US" dirty="0"/>
+          </a:p>
+        </p:txBody>
+      </p:sp>
+      <p:sp>
+        <p:nvSpPr>
+          <p:cNvPr id="3" name="內容版面配置區 2"/>
+          <p:cNvSpPr>
+            <a:spLocks noGrp="1"/>
+          </p:cNvSpPr>
+          <p:nvPr>
+            <p:ph idx="1"/>
+          </p:nvPr>
+        </p:nvSpPr>
+        <p:spPr/>
+        <p:txBody>
+          <a:bodyPr>
+            <a:normAutofit/>
+          </a:bodyPr>
+          <a:lstStyle/>
+          <a:p>
+            <a:r>
+              <a:rPr lang="zh-TW" altLang="en-US" sz="3200" dirty="0" smtClean="0"/>
+              <a:t>主介面、計時：鄭鈞智</a:t>
+            </a:r>
+            <a:endParaRPr lang="en-US" altLang="zh-TW" sz="3200" dirty="0" smtClean="0"/>
+          </a:p>
+          <a:p>
+            <a:r>
+              <a:rPr lang="zh-TW" altLang="en-US" sz="3200" dirty="0" smtClean="0"/>
+              <a:t>貓咪養成：黃琳</a:t>
+            </a:r>
+            <a:endParaRPr lang="en-US" altLang="zh-TW" sz="3200" dirty="0" smtClean="0"/>
+          </a:p>
+          <a:p>
+            <a:r>
+              <a:rPr lang="zh-TW" altLang="en-US" sz="3200" dirty="0"/>
+              <a:t>週計畫</a:t>
+            </a:r>
+            <a:r>
+              <a:rPr lang="zh-TW" altLang="en-US" sz="3200" dirty="0" smtClean="0"/>
+              <a:t>表：黃振庭</a:t>
+            </a:r>
+            <a:endParaRPr lang="en-US" altLang="zh-TW" sz="3200" dirty="0" smtClean="0"/>
+          </a:p>
+          <a:p>
+            <a:r>
+              <a:rPr lang="zh-TW" altLang="en-US" sz="3200" dirty="0" smtClean="0"/>
+              <a:t>小算盤、便利貼：林志懋</a:t>
+            </a:r>
+            <a:endParaRPr lang="en-US" altLang="zh-TW" sz="3200" dirty="0" smtClean="0"/>
+          </a:p>
+          <a:p>
+            <a:r>
+              <a:rPr lang="zh-TW" altLang="en-US" sz="3200" dirty="0" smtClean="0"/>
+              <a:t>遊戲：預計一人做一個</a:t>
+            </a:r>
+            <a:endParaRPr lang="zh-TW" altLang="en-US" sz="3200" dirty="0"/>
+          </a:p>
+        </p:txBody>
+      </p:sp>
+    </p:spTree>
+    <p:extLst>
+      <p:ext uri="{BB962C8B-B14F-4D97-AF65-F5344CB8AC3E}">
+        <p14:creationId xmlns:p14="http://schemas.microsoft.com/office/powerpoint/2010/main" val="1586878100"/>
+      </p:ext>
+    </p:extLst>
+  </p:cSld>
+  <p:clrMapOvr>
+    <a:masterClrMapping/>
+  </p:clrMapOvr>
+</p:sld>
+</file>
+
 <file path=ppt/slides/slide2.xml><?xml version="1.0" encoding="utf-8"?>
 <p:sld xmlns:a="http://schemas.openxmlformats.org/drawingml/2006/main" xmlns:r="http://schemas.openxmlformats.org/officeDocument/2006/relationships" xmlns:p="http://schemas.openxmlformats.org/presentationml/2006/main">
   <p:cSld>
@@ -8107,7 +8601,7 @@
       </p:sp>
       <p:pic>
         <p:nvPicPr>
-          <p:cNvPr id="4" name="內容版面配置區 3"/>
+          <p:cNvPr id="5" name="內容版面配置區 4"/>
           <p:cNvPicPr>
             <a:picLocks noGrp="1" noChangeAspect="1"/>
           </p:cNvPicPr>
@@ -8123,13 +8617,13 @@
               </a:ext>
             </a:extLst>
           </a:blip>
-          <a:srcRect l="27284" t="17041" r="34288" b="37913"/>
+          <a:srcRect l="9096" t="15436" r="52027" b="39651"/>
           <a:stretch/>
         </p:blipFill>
         <p:spPr>
           <a:xfrm>
-            <a:off x="2951543" y="1770927"/>
-            <a:ext cx="6516548" cy="4296916"/>
+            <a:off x="2391505" y="1477107"/>
+            <a:ext cx="7649310" cy="4970762"/>
           </a:xfrm>
         </p:spPr>
       </p:pic>
@@ -8437,7 +8931,107 @@
           <a:p>
             <a:r>
               <a:rPr lang="zh-TW" altLang="en-US" dirty="0" smtClean="0"/>
+              <a:t>主介面</a:t>
+            </a:r>
+            <a:endParaRPr lang="zh-TW" altLang="en-US" dirty="0"/>
+          </a:p>
+        </p:txBody>
+      </p:sp>
+      <p:sp>
+        <p:nvSpPr>
+          <p:cNvPr id="3" name="內容版面配置區 2"/>
+          <p:cNvSpPr>
+            <a:spLocks noGrp="1"/>
+          </p:cNvSpPr>
+          <p:nvPr>
+            <p:ph idx="1"/>
+          </p:nvPr>
+        </p:nvSpPr>
+        <p:spPr/>
+        <p:txBody>
+          <a:bodyPr/>
+          <a:lstStyle/>
+          <a:p>
+            <a:r>
+              <a:rPr lang="zh-TW" altLang="en-US" strike="sngStrike" dirty="0" smtClean="0"/>
+              <a:t>計時器</a:t>
+            </a:r>
+            <a:r>
+              <a:rPr lang="zh-TW" altLang="en-US" dirty="0" smtClean="0"/>
+              <a:t>、貓咪（進化、退化）、</a:t>
+            </a:r>
+            <a:r>
+              <a:rPr lang="zh-TW" altLang="en-US" strike="sngStrike" dirty="0" smtClean="0"/>
+              <a:t>讀檔</a:t>
+            </a:r>
+            <a:r>
+              <a:rPr lang="zh-TW" altLang="en-US" dirty="0" smtClean="0"/>
+              <a:t>存檔、</a:t>
+            </a:r>
+            <a:r>
+              <a:rPr lang="zh-TW" altLang="en-US" strike="sngStrike" dirty="0" smtClean="0"/>
+              <a:t>不能打遊戲</a:t>
+            </a:r>
+            <a:r>
+              <a:rPr lang="zh-TW" altLang="en-US" dirty="0" smtClean="0"/>
+              <a:t>、中斷</a:t>
+            </a:r>
+            <a:endParaRPr lang="zh-TW" altLang="en-US" dirty="0"/>
+          </a:p>
+        </p:txBody>
+      </p:sp>
+    </p:spTree>
+    <p:extLst>
+      <p:ext uri="{BB962C8B-B14F-4D97-AF65-F5344CB8AC3E}">
+        <p14:creationId xmlns:p14="http://schemas.microsoft.com/office/powerpoint/2010/main" val="980702098"/>
+      </p:ext>
+    </p:extLst>
+  </p:cSld>
+  <p:clrMapOvr>
+    <a:masterClrMapping/>
+  </p:clrMapOvr>
+</p:sld>
+</file>
+
+<file path=ppt/slides/slide7.xml><?xml version="1.0" encoding="utf-8"?>
+<p:sld xmlns:a="http://schemas.openxmlformats.org/drawingml/2006/main" xmlns:r="http://schemas.openxmlformats.org/officeDocument/2006/relationships" xmlns:p="http://schemas.openxmlformats.org/presentationml/2006/main">
+  <p:cSld>
+    <p:spTree>
+      <p:nvGrpSpPr>
+        <p:cNvPr id="1" name=""/>
+        <p:cNvGrpSpPr/>
+        <p:nvPr/>
+      </p:nvGrpSpPr>
+      <p:grpSpPr>
+        <a:xfrm>
+          <a:off x="0" y="0"/>
+          <a:ext cx="0" cy="0"/>
+          <a:chOff x="0" y="0"/>
+          <a:chExt cx="0" cy="0"/>
+        </a:xfrm>
+      </p:grpSpPr>
+      <p:sp>
+        <p:nvSpPr>
+          <p:cNvPr id="2" name="標題 1"/>
+          <p:cNvSpPr>
+            <a:spLocks noGrp="1"/>
+          </p:cNvSpPr>
+          <p:nvPr>
+            <p:ph type="title"/>
+          </p:nvPr>
+        </p:nvSpPr>
+        <p:spPr/>
+        <p:txBody>
+          <a:bodyPr/>
+          <a:lstStyle/>
+          <a:p>
+            <a:r>
+              <a:rPr lang="zh-TW" altLang="en-US" dirty="0" smtClean="0"/>
               <a:t>小算盤</a:t>
+            </a:r>
+            <a:r>
+              <a:rPr lang="zh-TW" altLang="en-US" dirty="0" smtClean="0"/>
+              <a:t>（傳影片）</a:t>
             </a:r>
             <a:endParaRPr lang="zh-TW" altLang="en-US" dirty="0"/>
           </a:p>
@@ -8653,7 +9247,7 @@
 </p:sld>
 </file>
 
-<file path=ppt/slides/slide7.xml><?xml version="1.0" encoding="utf-8"?>
+<file path=ppt/slides/slide8.xml><?xml version="1.0" encoding="utf-8"?>
 <p:sld xmlns:a="http://schemas.openxmlformats.org/drawingml/2006/main" xmlns:r="http://schemas.openxmlformats.org/officeDocument/2006/relationships" xmlns:p="http://schemas.openxmlformats.org/presentationml/2006/main">
   <p:cSld>
     <p:spTree>
@@ -8687,7 +9281,11 @@
           <a:p>
             <a:r>
               <a:rPr lang="zh-TW" altLang="en-US" dirty="0" smtClean="0"/>
-              <a:t>週計畫表</a:t>
+              <a:t>週計畫</a:t>
+            </a:r>
+            <a:r>
+              <a:rPr lang="zh-TW" altLang="en-US" dirty="0"/>
+              <a:t>表（傳影片）</a:t>
             </a:r>
             <a:endParaRPr lang="zh-TW" altLang="en-US" dirty="0"/>
           </a:p>
@@ -8846,118 +9444,6 @@
 </p:sld>
 </file>
 
-<file path=ppt/slides/slide8.xml><?xml version="1.0" encoding="utf-8"?>
-<p:sld xmlns:a="http://schemas.openxmlformats.org/drawingml/2006/main" xmlns:r="http://schemas.openxmlformats.org/officeDocument/2006/relationships" xmlns:p="http://schemas.openxmlformats.org/presentationml/2006/main">
-  <p:cSld>
-    <p:spTree>
-      <p:nvGrpSpPr>
-        <p:cNvPr id="1" name=""/>
-        <p:cNvGrpSpPr/>
-        <p:nvPr/>
-      </p:nvGrpSpPr>
-      <p:grpSpPr>
-        <a:xfrm>
-          <a:off x="0" y="0"/>
-          <a:ext cx="0" cy="0"/>
-          <a:chOff x="0" y="0"/>
-          <a:chExt cx="0" cy="0"/>
-        </a:xfrm>
-      </p:grpSpPr>
-      <p:sp>
-        <p:nvSpPr>
-          <p:cNvPr id="2" name="標題 1"/>
-          <p:cNvSpPr>
-            <a:spLocks noGrp="1"/>
-          </p:cNvSpPr>
-          <p:nvPr>
-            <p:ph type="title"/>
-          </p:nvPr>
-        </p:nvSpPr>
-        <p:spPr/>
-        <p:txBody>
-          <a:bodyPr/>
-          <a:lstStyle/>
-          <a:p>
-            <a:r>
-              <a:rPr lang="zh-TW" altLang="en-US" dirty="0" smtClean="0"/>
-              <a:t>未完成進度</a:t>
-            </a:r>
-            <a:endParaRPr lang="zh-TW" altLang="en-US" dirty="0"/>
-          </a:p>
-        </p:txBody>
-      </p:sp>
-      <p:sp>
-        <p:nvSpPr>
-          <p:cNvPr id="3" name="內容版面配置區 2"/>
-          <p:cNvSpPr>
-            <a:spLocks noGrp="1"/>
-          </p:cNvSpPr>
-          <p:nvPr>
-            <p:ph idx="1"/>
-          </p:nvPr>
-        </p:nvSpPr>
-        <p:spPr/>
-        <p:txBody>
-          <a:bodyPr/>
-          <a:lstStyle/>
-          <a:p>
-            <a:r>
-              <a:rPr lang="zh-TW" altLang="en-US" sz="3200" dirty="0" smtClean="0"/>
-              <a:t>小遊戲</a:t>
-            </a:r>
-            <a:endParaRPr lang="en-US" altLang="zh-TW" sz="3200" dirty="0" smtClean="0"/>
-          </a:p>
-          <a:p>
-            <a:r>
-              <a:rPr lang="zh-TW" altLang="en-US" sz="3200" dirty="0" smtClean="0"/>
-              <a:t>便利貼</a:t>
-            </a:r>
-            <a:endParaRPr lang="en-US" altLang="zh-TW" sz="3200" dirty="0" smtClean="0"/>
-          </a:p>
-          <a:p>
-            <a:r>
-              <a:rPr lang="zh-TW" altLang="en-US" sz="3200" dirty="0"/>
-              <a:t>小算盤</a:t>
-            </a:r>
-            <a:r>
-              <a:rPr lang="zh-TW" altLang="en-US" sz="3200" dirty="0" smtClean="0"/>
-              <a:t>優化（按鈕等等）</a:t>
-            </a:r>
-            <a:endParaRPr lang="en-US" altLang="zh-TW" sz="3200" dirty="0" smtClean="0"/>
-          </a:p>
-          <a:p>
-            <a:r>
-              <a:rPr lang="zh-TW" altLang="en-US" sz="3200" dirty="0" smtClean="0"/>
-              <a:t>主</a:t>
-            </a:r>
-            <a:r>
-              <a:rPr lang="zh-TW" altLang="en-US" sz="3200" dirty="0"/>
-              <a:t>介面優</a:t>
-            </a:r>
-            <a:r>
-              <a:rPr lang="zh-TW" altLang="en-US" sz="3200" dirty="0" smtClean="0"/>
-              <a:t>化</a:t>
-            </a:r>
-            <a:endParaRPr lang="en-US" altLang="zh-TW" sz="3200" dirty="0" smtClean="0"/>
-          </a:p>
-          <a:p>
-            <a:endParaRPr lang="zh-TW" altLang="en-US" dirty="0"/>
-          </a:p>
-        </p:txBody>
-      </p:sp>
-    </p:spTree>
-    <p:extLst>
-      <p:ext uri="{BB962C8B-B14F-4D97-AF65-F5344CB8AC3E}">
-        <p14:creationId xmlns:p14="http://schemas.microsoft.com/office/powerpoint/2010/main" val="3527883292"/>
-      </p:ext>
-    </p:extLst>
-  </p:cSld>
-  <p:clrMapOvr>
-    <a:masterClrMapping/>
-  </p:clrMapOvr>
-</p:sld>
-</file>
-
 <file path=ppt/slides/slide9.xml><?xml version="1.0" encoding="utf-8"?>
 <p:sld xmlns:a="http://schemas.openxmlformats.org/drawingml/2006/main" xmlns:r="http://schemas.openxmlformats.org/officeDocument/2006/relationships" xmlns:p="http://schemas.openxmlformats.org/presentationml/2006/main">
   <p:cSld>
@@ -8992,7 +9478,7 @@
           <a:p>
             <a:r>
               <a:rPr lang="zh-TW" altLang="en-US" dirty="0" smtClean="0"/>
-              <a:t>分工</a:t>
+              <a:t>便利貼</a:t>
             </a:r>
             <a:endParaRPr lang="zh-TW" altLang="en-US" dirty="0"/>
           </a:p>
@@ -9010,55 +9496,17 @@
         </p:nvSpPr>
         <p:spPr/>
         <p:txBody>
-          <a:bodyPr>
-            <a:normAutofit/>
-          </a:bodyPr>
-          <a:lstStyle/>
-          <a:p>
-            <a:r>
-              <a:rPr lang="zh-TW" altLang="en-US" sz="3200" dirty="0" smtClean="0"/>
-              <a:t>主介面、計時：鄭鈞智</a:t>
-            </a:r>
-            <a:endParaRPr lang="en-US" altLang="zh-TW" sz="3200" dirty="0" smtClean="0"/>
-          </a:p>
-          <a:p>
-            <a:r>
-              <a:rPr lang="zh-TW" altLang="en-US" sz="3200" dirty="0" smtClean="0"/>
-              <a:t>貓咪養成：黃琳</a:t>
-            </a:r>
-            <a:endParaRPr lang="en-US" altLang="zh-TW" sz="3200" dirty="0" smtClean="0"/>
-          </a:p>
-          <a:p>
-            <a:r>
-              <a:rPr lang="zh-TW" altLang="en-US" sz="3200" dirty="0"/>
-              <a:t>週計畫</a:t>
-            </a:r>
-            <a:r>
-              <a:rPr lang="zh-TW" altLang="en-US" sz="3200" dirty="0" smtClean="0"/>
-              <a:t>表：黃振庭</a:t>
-            </a:r>
-            <a:endParaRPr lang="en-US" altLang="zh-TW" sz="3200" dirty="0" smtClean="0"/>
-          </a:p>
-          <a:p>
-            <a:r>
-              <a:rPr lang="zh-TW" altLang="en-US" sz="3200" dirty="0" smtClean="0"/>
-              <a:t>小算盤、便利貼：林志懋</a:t>
-            </a:r>
-            <a:endParaRPr lang="en-US" altLang="zh-TW" sz="3200" dirty="0" smtClean="0"/>
-          </a:p>
-          <a:p>
-            <a:r>
-              <a:rPr lang="zh-TW" altLang="en-US" sz="3200" dirty="0" smtClean="0"/>
-              <a:t>遊戲：預計一人做一個</a:t>
-            </a:r>
-            <a:endParaRPr lang="zh-TW" altLang="en-US" sz="3200" dirty="0"/>
+          <a:bodyPr/>
+          <a:lstStyle/>
+          <a:p>
+            <a:endParaRPr lang="zh-TW" altLang="en-US"/>
           </a:p>
         </p:txBody>
       </p:sp>
     </p:spTree>
     <p:extLst>
       <p:ext uri="{BB962C8B-B14F-4D97-AF65-F5344CB8AC3E}">
-        <p14:creationId xmlns:p14="http://schemas.microsoft.com/office/powerpoint/2010/main" val="1586878100"/>
+        <p14:creationId xmlns:p14="http://schemas.microsoft.com/office/powerpoint/2010/main" val="1246232653"/>
       </p:ext>
     </p:extLst>
   </p:cSld>
